--- a/cloud_learnings/cloud_learnings.pptx
+++ b/cloud_learnings/cloud_learnings.pptx
@@ -1384,49 +1384,79 @@
           <a:p>
             <a:r>
               <a:rPr lang="en-US" dirty="0"/>
-              <a:t>-&gt; Register domain on GoDaddy</a:t>
+              <a:t>{</a:t>
             </a:r>
           </a:p>
           <a:p>
             <a:r>
               <a:rPr lang="en-US" dirty="0"/>
-              <a:t>-&gt; Create hosted zone on Route-53</a:t>
+              <a:t>    "Version": "2012-10-17",</a:t>
             </a:r>
           </a:p>
           <a:p>
             <a:r>
               <a:rPr lang="en-US" dirty="0"/>
-              <a:t>-&gt; Change Nameservers on GoDaddy to AWS ones</a:t>
+              <a:t>    "Id": "Policy1703230336135",</a:t>
             </a:r>
           </a:p>
           <a:p>
             <a:r>
               <a:rPr lang="en-US" dirty="0"/>
-              <a:t>-&gt; Create EC2 instance with bootstrap script to have apache</a:t>
+              <a:t>    "Statement": [</a:t>
             </a:r>
           </a:p>
           <a:p>
             <a:r>
               <a:rPr lang="en-US" dirty="0"/>
-              <a:t>-&gt; Ensure http://&lt;public_ip_of_ec2&gt; gives site</a:t>
+              <a:t>        {</a:t>
             </a:r>
           </a:p>
           <a:p>
             <a:r>
               <a:rPr lang="en-US" dirty="0"/>
-              <a:t>-&gt; Create A record in Route53, and value should be public IP of EC2</a:t>
+              <a:t>            "Sid": "Stmt1703230335218",</a:t>
             </a:r>
           </a:p>
           <a:p>
             <a:r>
               <a:rPr lang="en-US" dirty="0"/>
-              <a:t>-&gt; After some time , hit http://&lt;domain_name&gt;</a:t>
+              <a:t>            "Effect": "Allow",</a:t>
             </a:r>
           </a:p>
           <a:p>
             <a:r>
               <a:rPr lang="en-US" dirty="0"/>
-              <a:t>-&gt; Should display site on EC2</a:t>
+              <a:t>            "Principal": "*",</a:t>
+            </a:r>
+          </a:p>
+          <a:p>
+            <a:r>
+              <a:rPr lang="en-US" dirty="0"/>
+              <a:t>            "Action": "s3:GetObject",</a:t>
+            </a:r>
+          </a:p>
+          <a:p>
+            <a:r>
+              <a:rPr lang="en-US" dirty="0"/>
+              <a:t>            "Resource": "arn:aws:s3:::static-bucket0617/*"</a:t>
+            </a:r>
+          </a:p>
+          <a:p>
+            <a:r>
+              <a:rPr lang="en-US" dirty="0"/>
+              <a:t>        }</a:t>
+            </a:r>
+          </a:p>
+          <a:p>
+            <a:r>
+              <a:rPr lang="en-US" dirty="0"/>
+              <a:t>    ]</a:t>
+            </a:r>
+          </a:p>
+          <a:p>
+            <a:r>
+              <a:rPr lang="en-US" dirty="0"/>
+              <a:t>}</a:t>
             </a:r>
           </a:p>
         </p:txBody>
@@ -1448,7 +1478,7 @@
           <a:p>
             <a:fld id="{22289C57-55D7-40A4-A101-E74FAC7A092B}" type="slidenum">
               <a:rPr lang="en-US" smtClean="0"/>
-              <a:t>76</a:t>
+              <a:t>49</a:t>
             </a:fld>
             <a:endParaRPr lang="en-US" dirty="0"/>
           </a:p>
@@ -1457,7 +1487,7 @@
     </p:spTree>
     <p:extLst>
       <p:ext uri="{BB962C8B-B14F-4D97-AF65-F5344CB8AC3E}">
-        <p14:creationId xmlns:p14="http://schemas.microsoft.com/office/powerpoint/2010/main" val="2878814891"/>
+        <p14:creationId xmlns:p14="http://schemas.microsoft.com/office/powerpoint/2010/main" val="1752886495"/>
       </p:ext>
     </p:extLst>
   </p:cSld>
@@ -1513,6 +1543,135 @@
           <a:p>
             <a:r>
               <a:rPr lang="en-US" dirty="0"/>
+              <a:t>-&gt; Register domain on GoDaddy</a:t>
+            </a:r>
+          </a:p>
+          <a:p>
+            <a:r>
+              <a:rPr lang="en-US" dirty="0"/>
+              <a:t>-&gt; Create hosted zone on Route-53</a:t>
+            </a:r>
+          </a:p>
+          <a:p>
+            <a:r>
+              <a:rPr lang="en-US" dirty="0"/>
+              <a:t>-&gt; Change Nameservers on GoDaddy to AWS ones</a:t>
+            </a:r>
+          </a:p>
+          <a:p>
+            <a:r>
+              <a:rPr lang="en-US" dirty="0"/>
+              <a:t>-&gt; Create EC2 instance with bootstrap script to have apache</a:t>
+            </a:r>
+          </a:p>
+          <a:p>
+            <a:r>
+              <a:rPr lang="en-US" dirty="0"/>
+              <a:t>-&gt; Ensure http://&lt;public_ip_of_ec2&gt; gives site</a:t>
+            </a:r>
+          </a:p>
+          <a:p>
+            <a:r>
+              <a:rPr lang="en-US" dirty="0"/>
+              <a:t>-&gt; Create A record in Route53, and value should be public IP of EC2</a:t>
+            </a:r>
+          </a:p>
+          <a:p>
+            <a:r>
+              <a:rPr lang="en-US" dirty="0"/>
+              <a:t>-&gt; After some time , hit http://&lt;domain_name&gt;</a:t>
+            </a:r>
+          </a:p>
+          <a:p>
+            <a:r>
+              <a:rPr lang="en-US" dirty="0"/>
+              <a:t>-&gt; Should display site on EC2</a:t>
+            </a:r>
+          </a:p>
+        </p:txBody>
+      </p:sp>
+      <p:sp>
+        <p:nvSpPr>
+          <p:cNvPr id="4" name="Slide Number Placeholder 3"/>
+          <p:cNvSpPr>
+            <a:spLocks noGrp="1"/>
+          </p:cNvSpPr>
+          <p:nvPr>
+            <p:ph type="sldNum" sz="quarter" idx="5"/>
+          </p:nvPr>
+        </p:nvSpPr>
+        <p:spPr/>
+        <p:txBody>
+          <a:bodyPr/>
+          <a:lstStyle/>
+          <a:p>
+            <a:fld id="{22289C57-55D7-40A4-A101-E74FAC7A092B}" type="slidenum">
+              <a:rPr lang="en-US" smtClean="0"/>
+              <a:t>76</a:t>
+            </a:fld>
+            <a:endParaRPr lang="en-US" dirty="0"/>
+          </a:p>
+        </p:txBody>
+      </p:sp>
+    </p:spTree>
+    <p:extLst>
+      <p:ext uri="{BB962C8B-B14F-4D97-AF65-F5344CB8AC3E}">
+        <p14:creationId xmlns:p14="http://schemas.microsoft.com/office/powerpoint/2010/main" val="2878814891"/>
+      </p:ext>
+    </p:extLst>
+  </p:cSld>
+  <p:clrMapOvr>
+    <a:masterClrMapping/>
+  </p:clrMapOvr>
+</p:notes>
+</file>
+
+<file path=ppt/notesSlides/notesSlide4.xml><?xml version="1.0" encoding="utf-8"?>
+<p:notes xmlns:a="http://schemas.openxmlformats.org/drawingml/2006/main" xmlns:r="http://schemas.openxmlformats.org/officeDocument/2006/relationships" xmlns:p="http://schemas.openxmlformats.org/presentationml/2006/main">
+  <p:cSld>
+    <p:spTree>
+      <p:nvGrpSpPr>
+        <p:cNvPr id="1" name=""/>
+        <p:cNvGrpSpPr/>
+        <p:nvPr/>
+      </p:nvGrpSpPr>
+      <p:grpSpPr>
+        <a:xfrm>
+          <a:off x="0" y="0"/>
+          <a:ext cx="0" cy="0"/>
+          <a:chOff x="0" y="0"/>
+          <a:chExt cx="0" cy="0"/>
+        </a:xfrm>
+      </p:grpSpPr>
+      <p:sp>
+        <p:nvSpPr>
+          <p:cNvPr id="2" name="Slide Image Placeholder 1"/>
+          <p:cNvSpPr>
+            <a:spLocks noGrp="1" noRot="1" noChangeAspect="1"/>
+          </p:cNvSpPr>
+          <p:nvPr>
+            <p:ph type="sldImg"/>
+          </p:nvPr>
+        </p:nvSpPr>
+        <p:spPr/>
+      </p:sp>
+      <p:sp>
+        <p:nvSpPr>
+          <p:cNvPr id="3" name="Notes Placeholder 2"/>
+          <p:cNvSpPr>
+            <a:spLocks noGrp="1"/>
+          </p:cNvSpPr>
+          <p:nvPr>
+            <p:ph type="body" idx="1"/>
+          </p:nvPr>
+        </p:nvSpPr>
+        <p:spPr/>
+        <p:txBody>
+          <a:bodyPr/>
+          <a:lstStyle/>
+          <a:p>
+            <a:r>
+              <a:rPr lang="en-US" dirty="0"/>
               <a:t>while using cli you might get An error occurred (</a:t>
             </a:r>
             <a:r>
@@ -1600,7 +1759,7 @@
 </p:notes>
 </file>
 
-<file path=ppt/notesSlides/notesSlide4.xml><?xml version="1.0" encoding="utf-8"?>
+<file path=ppt/notesSlides/notesSlide5.xml><?xml version="1.0" encoding="utf-8"?>
 <p:notes xmlns:a="http://schemas.openxmlformats.org/drawingml/2006/main" xmlns:r="http://schemas.openxmlformats.org/officeDocument/2006/relationships" xmlns:p="http://schemas.openxmlformats.org/presentationml/2006/main">
   <p:cSld>
     <p:spTree>
@@ -21722,7 +21881,7 @@
             </a:pPr>
             <a:r>
               <a:rPr lang="en-US" sz="2000" dirty="0"/>
-              <a:t>Click on bucket -&gt; Permissions :: Disable block public access</a:t>
+              <a:t>Click on bucket -&gt; Permissions :: Uncheck block public access</a:t>
             </a:r>
           </a:p>
           <a:p>
@@ -22366,7 +22525,7 @@
             </a:pPr>
             <a:r>
               <a:rPr lang="en-US" sz="2000" dirty="0"/>
-              <a:t>Buckets should be public</a:t>
+              <a:t>Create a bucket and add index.html and aws.png, from code folder</a:t>
             </a:r>
           </a:p>
           <a:p>
@@ -22376,7 +22535,15 @@
             </a:pPr>
             <a:r>
               <a:rPr lang="en-US" sz="2000" dirty="0"/>
-              <a:t>Add couple if image files to bucket</a:t>
+              <a:t>Buckets should be public – uncheck ‘Block all public access’ and also add policy for public access. Generate policy via policy generator for ‘</a:t>
+            </a:r>
+            <a:r>
+              <a:rPr lang="en-US" sz="2000" dirty="0" err="1"/>
+              <a:t>GetObject</a:t>
+            </a:r>
+            <a:r>
+              <a:rPr lang="en-US" sz="2000" dirty="0"/>
+              <a:t>’ and ARN appended with /* (sample policy is in Notes)</a:t>
             </a:r>
           </a:p>
           <a:p>
@@ -22932,7 +23099,15 @@
             </a:pPr>
             <a:r>
               <a:rPr lang="en-US" sz="1600" dirty="0"/>
-              <a:t>Make some changes to index.html and upload</a:t>
+              <a:t>Upload one more aws image from code/</a:t>
+            </a:r>
+            <a:r>
+              <a:rPr lang="en-US" sz="1600" dirty="0" err="1"/>
+              <a:t>aws_another_logo</a:t>
+            </a:r>
+            <a:r>
+              <a:rPr lang="en-US" sz="1600" dirty="0"/>
+              <a:t> folder</a:t>
             </a:r>
           </a:p>
           <a:p>
@@ -22976,40 +23151,6 @@
             </a:r>
           </a:p>
           <a:p>
-            <a:pPr marL="285750" indent="-285750">
-              <a:buFont typeface="Wingdings" panose="05000000000000000000" pitchFamily="2" charset="2"/>
-              <a:buChar char="q"/>
-            </a:pPr>
-            <a:r>
-              <a:rPr lang="en-US" sz="1600" dirty="0"/>
-              <a:t>With versioning enabled, try to delete other image in bucket and see info icon about delete marker</a:t>
-            </a:r>
-          </a:p>
-          <a:p>
-            <a:pPr marL="285750" indent="-285750">
-              <a:buFont typeface="Wingdings" panose="05000000000000000000" pitchFamily="2" charset="2"/>
-              <a:buChar char="q"/>
-            </a:pPr>
-            <a:r>
-              <a:rPr lang="en-US" sz="1600" dirty="0"/>
-              <a:t>Object :: toggle on Show Versions, to see  delete marker effect</a:t>
-            </a:r>
-          </a:p>
-          <a:p>
-            <a:pPr marL="285750" indent="-285750">
-              <a:buFont typeface="Wingdings" panose="05000000000000000000" pitchFamily="2" charset="2"/>
-              <a:buChar char="q"/>
-            </a:pPr>
-            <a:r>
-              <a:rPr lang="en-US" sz="1600" dirty="0"/>
-              <a:t>Now delete the delete marker image, to restore deleted file</a:t>
-            </a:r>
-          </a:p>
-          <a:p>
-            <a:pPr marL="285750" indent="-285750">
-              <a:buFont typeface="Wingdings" panose="05000000000000000000" pitchFamily="2" charset="2"/>
-              <a:buChar char="q"/>
-            </a:pPr>
             <a:endParaRPr lang="en-US" sz="1600" dirty="0"/>
           </a:p>
           <a:p>
@@ -37538,25 +37679,6 @@
 </file>
 
 <file path=customXml/item1.xml><?xml version="1.0" encoding="utf-8"?>
-<p:properties xmlns:p="http://schemas.microsoft.com/office/2006/metadata/properties" xmlns:xsi="http://www.w3.org/2001/XMLSchema-instance" xmlns:pc="http://schemas.microsoft.com/office/infopath/2007/PartnerControls">
-  <documentManagement>
-    <_ip_UnifiedCompliancePolicyUIAction xmlns="http://schemas.microsoft.com/sharepoint/v3" xsi:nil="true"/>
-    <Image xmlns="71af3243-3dd4-4a8d-8c0d-dd76da1f02a5">
-      <Url xsi:nil="true"/>
-      <Description xsi:nil="true"/>
-    </Image>
-    <Status xmlns="71af3243-3dd4-4a8d-8c0d-dd76da1f02a5">Not started</Status>
-    <_ip_UnifiedCompliancePolicyProperties xmlns="http://schemas.microsoft.com/sharepoint/v3" xsi:nil="true"/>
-    <ImageTagsTaxHTField xmlns="71af3243-3dd4-4a8d-8c0d-dd76da1f02a5">
-      <Terms xmlns="http://schemas.microsoft.com/office/infopath/2007/PartnerControls"/>
-    </ImageTagsTaxHTField>
-    <TaxCatchAll xmlns="230e9df3-be65-4c73-a93b-d1236ebd677e"/>
-    <MediaServiceKeyPoints xmlns="71af3243-3dd4-4a8d-8c0d-dd76da1f02a5" xsi:nil="true"/>
-  </documentManagement>
-</p:properties>
-</file>
-
-<file path=customXml/item2.xml><?xml version="1.0" encoding="utf-8"?>
 <ct:contentTypeSchema xmlns:ct="http://schemas.microsoft.com/office/2006/metadata/contentType" xmlns:ma="http://schemas.microsoft.com/office/2006/metadata/properties/metaAttributes" ct:_="" ma:_="" ma:contentTypeName="Document" ma:contentTypeID="0x01010079F111ED35F8CC479449609E8A0923A6" ma:contentTypeVersion="20" ma:contentTypeDescription="Create a new document." ma:contentTypeScope="" ma:versionID="1267097ee5f5874adfcc408041ae252e">
   <xsd:schema xmlns:xsd="http://www.w3.org/2001/XMLSchema" xmlns:xs="http://www.w3.org/2001/XMLSchema" xmlns:p="http://schemas.microsoft.com/office/2006/metadata/properties" xmlns:ns1="http://schemas.microsoft.com/sharepoint/v3" xmlns:ns2="71af3243-3dd4-4a8d-8c0d-dd76da1f02a5" xmlns:ns3="16c05727-aa75-4e4a-9b5f-8a80a1165891" xmlns:ns4="230e9df3-be65-4c73-a93b-d1236ebd677e" targetNamespace="http://schemas.microsoft.com/office/2006/metadata/properties" ma:root="true" ma:fieldsID="395891a93df65b14727750f2c06c306c" ns1:_="" ns2:_="" ns3:_="" ns4:_="">
     <xsd:import namespace="http://schemas.microsoft.com/sharepoint/v3"/>
@@ -37832,7 +37954,7 @@
 </ct:contentTypeSchema>
 </file>
 
-<file path=customXml/item3.xml><?xml version="1.0" encoding="utf-8"?>
+<file path=customXml/item2.xml><?xml version="1.0" encoding="utf-8"?>
 <?mso-contentType ?>
 <FormTemplates xmlns="http://schemas.microsoft.com/sharepoint/v3/contenttype/forms">
   <Display>DocumentLibraryForm</Display>
@@ -37841,19 +37963,26 @@
 </FormTemplates>
 </file>
 
-<file path=customXml/itemProps1.xml><?xml version="1.0" encoding="utf-8"?>
-<ds:datastoreItem xmlns:ds="http://schemas.openxmlformats.org/officeDocument/2006/customXml" ds:itemID="{29C43685-694E-4579-B109-3C418D49DA65}">
-  <ds:schemaRefs>
-    <ds:schemaRef ds:uri="http://schemas.microsoft.com/office/2006/metadata/properties"/>
-    <ds:schemaRef ds:uri="http://schemas.microsoft.com/office/infopath/2007/PartnerControls"/>
-    <ds:schemaRef ds:uri="http://schemas.microsoft.com/sharepoint/v3"/>
-    <ds:schemaRef ds:uri="71af3243-3dd4-4a8d-8c0d-dd76da1f02a5"/>
-    <ds:schemaRef ds:uri="230e9df3-be65-4c73-a93b-d1236ebd677e"/>
-  </ds:schemaRefs>
-</ds:datastoreItem>
+<file path=customXml/item3.xml><?xml version="1.0" encoding="utf-8"?>
+<p:properties xmlns:p="http://schemas.microsoft.com/office/2006/metadata/properties" xmlns:xsi="http://www.w3.org/2001/XMLSchema-instance" xmlns:pc="http://schemas.microsoft.com/office/infopath/2007/PartnerControls">
+  <documentManagement>
+    <_ip_UnifiedCompliancePolicyUIAction xmlns="http://schemas.microsoft.com/sharepoint/v3" xsi:nil="true"/>
+    <Image xmlns="71af3243-3dd4-4a8d-8c0d-dd76da1f02a5">
+      <Url xsi:nil="true"/>
+      <Description xsi:nil="true"/>
+    </Image>
+    <Status xmlns="71af3243-3dd4-4a8d-8c0d-dd76da1f02a5">Not started</Status>
+    <_ip_UnifiedCompliancePolicyProperties xmlns="http://schemas.microsoft.com/sharepoint/v3" xsi:nil="true"/>
+    <ImageTagsTaxHTField xmlns="71af3243-3dd4-4a8d-8c0d-dd76da1f02a5">
+      <Terms xmlns="http://schemas.microsoft.com/office/infopath/2007/PartnerControls"/>
+    </ImageTagsTaxHTField>
+    <TaxCatchAll xmlns="230e9df3-be65-4c73-a93b-d1236ebd677e"/>
+    <MediaServiceKeyPoints xmlns="71af3243-3dd4-4a8d-8c0d-dd76da1f02a5" xsi:nil="true"/>
+  </documentManagement>
+</p:properties>
 </file>
 
-<file path=customXml/itemProps2.xml><?xml version="1.0" encoding="utf-8"?>
+<file path=customXml/itemProps1.xml><?xml version="1.0" encoding="utf-8"?>
 <ds:datastoreItem xmlns:ds="http://schemas.openxmlformats.org/officeDocument/2006/customXml" ds:itemID="{CC96B61E-1B64-430F-934F-7D1B90028029}">
   <ds:schemaRefs>
     <ds:schemaRef ds:uri="http://schemas.microsoft.com/office/2006/metadata/contentType"/>
@@ -37874,10 +38003,22 @@
 </ds:datastoreItem>
 </file>
 
-<file path=customXml/itemProps3.xml><?xml version="1.0" encoding="utf-8"?>
+<file path=customXml/itemProps2.xml><?xml version="1.0" encoding="utf-8"?>
 <ds:datastoreItem xmlns:ds="http://schemas.openxmlformats.org/officeDocument/2006/customXml" ds:itemID="{0FD6FE22-81A0-4500-AFD0-342D21BB9A2C}">
   <ds:schemaRefs>
     <ds:schemaRef ds:uri="http://schemas.microsoft.com/sharepoint/v3/contenttype/forms"/>
+  </ds:schemaRefs>
+</ds:datastoreItem>
+</file>
+
+<file path=customXml/itemProps3.xml><?xml version="1.0" encoding="utf-8"?>
+<ds:datastoreItem xmlns:ds="http://schemas.openxmlformats.org/officeDocument/2006/customXml" ds:itemID="{29C43685-694E-4579-B109-3C418D49DA65}">
+  <ds:schemaRefs>
+    <ds:schemaRef ds:uri="http://schemas.microsoft.com/office/2006/metadata/properties"/>
+    <ds:schemaRef ds:uri="http://schemas.microsoft.com/office/infopath/2007/PartnerControls"/>
+    <ds:schemaRef ds:uri="http://schemas.microsoft.com/sharepoint/v3"/>
+    <ds:schemaRef ds:uri="71af3243-3dd4-4a8d-8c0d-dd76da1f02a5"/>
+    <ds:schemaRef ds:uri="230e9df3-be65-4c73-a93b-d1236ebd677e"/>
   </ds:schemaRefs>
 </ds:datastoreItem>
 </file>

--- a/cloud_learnings/cloud_learnings.pptx
+++ b/cloud_learnings/cloud_learnings.pptx
@@ -310,7 +310,7 @@
           <a:p>
             <a:fld id="{B56F32FC-4BD9-442A-A8C6-51598C909FE3}" type="datetimeFigureOut">
               <a:rPr lang="en-US" smtClean="0"/>
-              <a:t>12/22/2023</a:t>
+              <a:t>12/27/2023</a:t>
             </a:fld>
             <a:endParaRPr lang="en-US" dirty="0"/>
           </a:p>
@@ -487,7 +487,7 @@
           <a:p>
             <a:fld id="{056371FA-A98D-41E8-93F4-09945841298A}" type="datetimeFigureOut">
               <a:rPr lang="en-US" smtClean="0"/>
-              <a:t>12/22/2023</a:t>
+              <a:t>12/27/2023</a:t>
             </a:fld>
             <a:endParaRPr lang="en-US" dirty="0"/>
           </a:p>
@@ -25550,7 +25550,7 @@
         </p:spPr>
         <p:txBody>
           <a:bodyPr>
-            <a:normAutofit/>
+            <a:normAutofit lnSpcReduction="10000"/>
           </a:bodyPr>
           <a:lstStyle/>
           <a:p>
@@ -25630,6 +25630,36 @@
             </a:pPr>
             <a:r>
               <a:rPr lang="en-US" sz="1600" dirty="0"/>
+              <a:t>Create a lambda, with code at code/lambda_int_s3_code.js file (ensure region for s3 client, in code)</a:t>
+            </a:r>
+          </a:p>
+          <a:p>
+            <a:pPr marL="285750" indent="-285750">
+              <a:buFont typeface="Wingdings" panose="05000000000000000000" pitchFamily="2" charset="2"/>
+              <a:buChar char="q"/>
+            </a:pPr>
+            <a:r>
+              <a:rPr lang="en-US" sz="1600" dirty="0"/>
+              <a:t>Create a trigger from Configuration tab of lamba, for the s3 bucket , for all objects events</a:t>
+            </a:r>
+          </a:p>
+          <a:p>
+            <a:pPr marL="285750" indent="-285750">
+              <a:buFont typeface="Wingdings" panose="05000000000000000000" pitchFamily="2" charset="2"/>
+              <a:buChar char="q"/>
+            </a:pPr>
+            <a:r>
+              <a:rPr lang="en-US" sz="1600" dirty="0"/>
+              <a:t>Observe logs from Cloudwatch, will show access denied error</a:t>
+            </a:r>
+          </a:p>
+          <a:p>
+            <a:pPr marL="285750" indent="-285750">
+              <a:buFont typeface="Wingdings" panose="05000000000000000000" pitchFamily="2" charset="2"/>
+              <a:buChar char="q"/>
+            </a:pPr>
+            <a:r>
+              <a:rPr lang="en-US" sz="1600" dirty="0"/>
               <a:t>Create a policy , to allow access from lambda to s3 and CloudWatch – (available at code/lambda_s3_policy.txt) and then create role from this policy</a:t>
             </a:r>
           </a:p>
@@ -25640,7 +25670,7 @@
             </a:pPr>
             <a:r>
               <a:rPr lang="en-US" sz="1600" dirty="0"/>
-              <a:t>Create a lambda , with above role – s3-trigger-demo. After creation Add trigger with S3 bucket created, for all objects (available at code/lambda_int_s3_code.js)</a:t>
+              <a:t>Lambda -&gt; Configuration -&gt; Permissions and change role to one crated above</a:t>
             </a:r>
           </a:p>
           <a:p>
@@ -25650,7 +25680,7 @@
             </a:pPr>
             <a:r>
               <a:rPr lang="en-US" sz="1600" dirty="0"/>
-              <a:t>Now upload code/sample_json.json to bucket and see lambda in action. CloudWatch logs can be observed for logs</a:t>
+              <a:t>Upload file again on s3 bucket and observe Cloudwatch logs again. This time it will be success.</a:t>
             </a:r>
           </a:p>
         </p:txBody>
@@ -37679,6 +37709,34 @@
 </file>
 
 <file path=customXml/item1.xml><?xml version="1.0" encoding="utf-8"?>
+<?mso-contentType ?>
+<FormTemplates xmlns="http://schemas.microsoft.com/sharepoint/v3/contenttype/forms">
+  <Display>DocumentLibraryForm</Display>
+  <Edit>DocumentLibraryForm</Edit>
+  <New>DocumentLibraryForm</New>
+</FormTemplates>
+</file>
+
+<file path=customXml/item2.xml><?xml version="1.0" encoding="utf-8"?>
+<p:properties xmlns:p="http://schemas.microsoft.com/office/2006/metadata/properties" xmlns:xsi="http://www.w3.org/2001/XMLSchema-instance" xmlns:pc="http://schemas.microsoft.com/office/infopath/2007/PartnerControls">
+  <documentManagement>
+    <_ip_UnifiedCompliancePolicyUIAction xmlns="http://schemas.microsoft.com/sharepoint/v3" xsi:nil="true"/>
+    <Image xmlns="71af3243-3dd4-4a8d-8c0d-dd76da1f02a5">
+      <Url xsi:nil="true"/>
+      <Description xsi:nil="true"/>
+    </Image>
+    <Status xmlns="71af3243-3dd4-4a8d-8c0d-dd76da1f02a5">Not started</Status>
+    <_ip_UnifiedCompliancePolicyProperties xmlns="http://schemas.microsoft.com/sharepoint/v3" xsi:nil="true"/>
+    <ImageTagsTaxHTField xmlns="71af3243-3dd4-4a8d-8c0d-dd76da1f02a5">
+      <Terms xmlns="http://schemas.microsoft.com/office/infopath/2007/PartnerControls"/>
+    </ImageTagsTaxHTField>
+    <TaxCatchAll xmlns="230e9df3-be65-4c73-a93b-d1236ebd677e"/>
+    <MediaServiceKeyPoints xmlns="71af3243-3dd4-4a8d-8c0d-dd76da1f02a5" xsi:nil="true"/>
+  </documentManagement>
+</p:properties>
+</file>
+
+<file path=customXml/item3.xml><?xml version="1.0" encoding="utf-8"?>
 <ct:contentTypeSchema xmlns:ct="http://schemas.microsoft.com/office/2006/metadata/contentType" xmlns:ma="http://schemas.microsoft.com/office/2006/metadata/properties/metaAttributes" ct:_="" ma:_="" ma:contentTypeName="Document" ma:contentTypeID="0x01010079F111ED35F8CC479449609E8A0923A6" ma:contentTypeVersion="20" ma:contentTypeDescription="Create a new document." ma:contentTypeScope="" ma:versionID="1267097ee5f5874adfcc408041ae252e">
   <xsd:schema xmlns:xsd="http://www.w3.org/2001/XMLSchema" xmlns:xs="http://www.w3.org/2001/XMLSchema" xmlns:p="http://schemas.microsoft.com/office/2006/metadata/properties" xmlns:ns1="http://schemas.microsoft.com/sharepoint/v3" xmlns:ns2="71af3243-3dd4-4a8d-8c0d-dd76da1f02a5" xmlns:ns3="16c05727-aa75-4e4a-9b5f-8a80a1165891" xmlns:ns4="230e9df3-be65-4c73-a93b-d1236ebd677e" targetNamespace="http://schemas.microsoft.com/office/2006/metadata/properties" ma:root="true" ma:fieldsID="395891a93df65b14727750f2c06c306c" ns1:_="" ns2:_="" ns3:_="" ns4:_="">
     <xsd:import namespace="http://schemas.microsoft.com/sharepoint/v3"/>
@@ -37954,35 +38012,27 @@
 </ct:contentTypeSchema>
 </file>
 
-<file path=customXml/item2.xml><?xml version="1.0" encoding="utf-8"?>
-<?mso-contentType ?>
-<FormTemplates xmlns="http://schemas.microsoft.com/sharepoint/v3/contenttype/forms">
-  <Display>DocumentLibraryForm</Display>
-  <Edit>DocumentLibraryForm</Edit>
-  <New>DocumentLibraryForm</New>
-</FormTemplates>
+<file path=customXml/itemProps1.xml><?xml version="1.0" encoding="utf-8"?>
+<ds:datastoreItem xmlns:ds="http://schemas.openxmlformats.org/officeDocument/2006/customXml" ds:itemID="{0FD6FE22-81A0-4500-AFD0-342D21BB9A2C}">
+  <ds:schemaRefs>
+    <ds:schemaRef ds:uri="http://schemas.microsoft.com/sharepoint/v3/contenttype/forms"/>
+  </ds:schemaRefs>
+</ds:datastoreItem>
 </file>
 
-<file path=customXml/item3.xml><?xml version="1.0" encoding="utf-8"?>
-<p:properties xmlns:p="http://schemas.microsoft.com/office/2006/metadata/properties" xmlns:xsi="http://www.w3.org/2001/XMLSchema-instance" xmlns:pc="http://schemas.microsoft.com/office/infopath/2007/PartnerControls">
-  <documentManagement>
-    <_ip_UnifiedCompliancePolicyUIAction xmlns="http://schemas.microsoft.com/sharepoint/v3" xsi:nil="true"/>
-    <Image xmlns="71af3243-3dd4-4a8d-8c0d-dd76da1f02a5">
-      <Url xsi:nil="true"/>
-      <Description xsi:nil="true"/>
-    </Image>
-    <Status xmlns="71af3243-3dd4-4a8d-8c0d-dd76da1f02a5">Not started</Status>
-    <_ip_UnifiedCompliancePolicyProperties xmlns="http://schemas.microsoft.com/sharepoint/v3" xsi:nil="true"/>
-    <ImageTagsTaxHTField xmlns="71af3243-3dd4-4a8d-8c0d-dd76da1f02a5">
-      <Terms xmlns="http://schemas.microsoft.com/office/infopath/2007/PartnerControls"/>
-    </ImageTagsTaxHTField>
-    <TaxCatchAll xmlns="230e9df3-be65-4c73-a93b-d1236ebd677e"/>
-    <MediaServiceKeyPoints xmlns="71af3243-3dd4-4a8d-8c0d-dd76da1f02a5" xsi:nil="true"/>
-  </documentManagement>
-</p:properties>
+<file path=customXml/itemProps2.xml><?xml version="1.0" encoding="utf-8"?>
+<ds:datastoreItem xmlns:ds="http://schemas.openxmlformats.org/officeDocument/2006/customXml" ds:itemID="{29C43685-694E-4579-B109-3C418D49DA65}">
+  <ds:schemaRefs>
+    <ds:schemaRef ds:uri="http://schemas.microsoft.com/office/2006/metadata/properties"/>
+    <ds:schemaRef ds:uri="http://schemas.microsoft.com/office/infopath/2007/PartnerControls"/>
+    <ds:schemaRef ds:uri="http://schemas.microsoft.com/sharepoint/v3"/>
+    <ds:schemaRef ds:uri="71af3243-3dd4-4a8d-8c0d-dd76da1f02a5"/>
+    <ds:schemaRef ds:uri="230e9df3-be65-4c73-a93b-d1236ebd677e"/>
+  </ds:schemaRefs>
+</ds:datastoreItem>
 </file>
 
-<file path=customXml/itemProps1.xml><?xml version="1.0" encoding="utf-8"?>
+<file path=customXml/itemProps3.xml><?xml version="1.0" encoding="utf-8"?>
 <ds:datastoreItem xmlns:ds="http://schemas.openxmlformats.org/officeDocument/2006/customXml" ds:itemID="{CC96B61E-1B64-430F-934F-7D1B90028029}">
   <ds:schemaRefs>
     <ds:schemaRef ds:uri="http://schemas.microsoft.com/office/2006/metadata/contentType"/>
@@ -38003,26 +38053,6 @@
 </ds:datastoreItem>
 </file>
 
-<file path=customXml/itemProps2.xml><?xml version="1.0" encoding="utf-8"?>
-<ds:datastoreItem xmlns:ds="http://schemas.openxmlformats.org/officeDocument/2006/customXml" ds:itemID="{0FD6FE22-81A0-4500-AFD0-342D21BB9A2C}">
-  <ds:schemaRefs>
-    <ds:schemaRef ds:uri="http://schemas.microsoft.com/sharepoint/v3/contenttype/forms"/>
-  </ds:schemaRefs>
-</ds:datastoreItem>
-</file>
-
-<file path=customXml/itemProps3.xml><?xml version="1.0" encoding="utf-8"?>
-<ds:datastoreItem xmlns:ds="http://schemas.openxmlformats.org/officeDocument/2006/customXml" ds:itemID="{29C43685-694E-4579-B109-3C418D49DA65}">
-  <ds:schemaRefs>
-    <ds:schemaRef ds:uri="http://schemas.microsoft.com/office/2006/metadata/properties"/>
-    <ds:schemaRef ds:uri="http://schemas.microsoft.com/office/infopath/2007/PartnerControls"/>
-    <ds:schemaRef ds:uri="http://schemas.microsoft.com/sharepoint/v3"/>
-    <ds:schemaRef ds:uri="71af3243-3dd4-4a8d-8c0d-dd76da1f02a5"/>
-    <ds:schemaRef ds:uri="230e9df3-be65-4c73-a93b-d1236ebd677e"/>
-  </ds:schemaRefs>
-</ds:datastoreItem>
-</file>
-
 <file path=docMetadata/LabelInfo.xml><?xml version="1.0" encoding="utf-8"?>
 <clbl:labelList xmlns:clbl="http://schemas.microsoft.com/office/2020/mipLabelMetadata">
   <clbl:label id="{f42aa342-8706-4288-bd11-ebb85995028c}" enabled="1" method="Standard" siteId="{72f988bf-86f1-41af-91ab-2d7cd011db47}" removed="0"/>

--- a/cloud_learnings/cloud_learnings.pptx
+++ b/cloud_learnings/cloud_learnings.pptx
@@ -25852,7 +25852,7 @@
             </a:pPr>
             <a:r>
               <a:rPr lang="en-US" sz="2000" dirty="0"/>
-              <a:t>Elastic container service launch containers on AWS, without worrying about underlying infrastructure</a:t>
+              <a:t>Elastic container service launch containers on AWS, without worrying about underlying infrastructure (no worry for installing docker, managing containers and all)</a:t>
             </a:r>
           </a:p>
           <a:p>
@@ -25862,7 +25862,7 @@
             </a:pPr>
             <a:r>
               <a:rPr lang="en-US" sz="2000" dirty="0"/>
-              <a:t>The infrastructure specification need to be specified by user, rest all will be taken care by AWS</a:t>
+              <a:t>The infrastructure specification need to be specified by user, rest all will be taken care by AWS. (Like the OS , instance type need to be specified by user)</a:t>
             </a:r>
           </a:p>
           <a:p>
@@ -25872,7 +25872,7 @@
             </a:pPr>
             <a:r>
               <a:rPr lang="en-US" sz="2000" dirty="0"/>
-              <a:t>AWS fargate can be used with ECS, without having to manage servers or clusters of Amazon EC2 instances</a:t>
+              <a:t>AWS fargate can be used with ECS, without having to manage servers or clusters of Amazon EC2 instances. User don’t specify anything.</a:t>
             </a:r>
           </a:p>
         </p:txBody>
@@ -25925,7 +25925,7 @@
         </p:nvSpPr>
         <p:spPr>
           <a:xfrm>
-            <a:off x="658594" y="140528"/>
+            <a:off x="685488" y="221206"/>
             <a:ext cx="8148521" cy="517664"/>
           </a:xfrm>
         </p:spPr>
@@ -25937,7 +25937,7 @@
           <a:p>
             <a:r>
               <a:rPr lang="en-US" sz="2400" dirty="0"/>
-              <a:t>ECS – Hands on</a:t>
+              <a:t>ECS – Hands on WITH Fargate</a:t>
             </a:r>
           </a:p>
         </p:txBody>
@@ -26028,13 +26028,13 @@
         </p:nvSpPr>
         <p:spPr>
           <a:xfrm>
-            <a:off x="566944" y="789272"/>
+            <a:off x="593838" y="869950"/>
             <a:ext cx="10694614" cy="5486400"/>
           </a:xfrm>
         </p:spPr>
         <p:txBody>
           <a:bodyPr>
-            <a:normAutofit fontScale="92500"/>
+            <a:normAutofit lnSpcReduction="10000"/>
           </a:bodyPr>
           <a:lstStyle/>
           <a:p>
@@ -26044,7 +26044,7 @@
             </a:pPr>
             <a:r>
               <a:rPr lang="en-US" sz="1600" dirty="0"/>
-              <a:t>Try creating ECS cluster with 2 subnets , infrastructure type as EC2 (farget will be selected by default , can’t de-select)</a:t>
+              <a:t>Create a security group with ping and http traffic allowed</a:t>
             </a:r>
           </a:p>
           <a:p>
@@ -26054,7 +26054,15 @@
             </a:pPr>
             <a:r>
               <a:rPr lang="en-US" sz="1600" dirty="0"/>
-              <a:t>For infrastructure for EC2, set instance type to t2.micro , OS to Amazon Linux2 and desired and max task to 1</a:t>
+              <a:t>Create a role as directed at - </a:t>
+            </a:r>
+            <a:r>
+              <a:rPr lang="en-US" sz="1600" dirty="0">
+                <a:solidFill>
+                  <a:srgbClr val="0070C0"/>
+                </a:solidFill>
+              </a:rPr>
+              <a:t>https://docs.aws.amazon.com/AmazonECS/latest/developerguide/task_execution_IAM_role.html#create-task-execution-role</a:t>
             </a:r>
           </a:p>
           <a:p>
@@ -26064,7 +26072,7 @@
             </a:pPr>
             <a:r>
               <a:rPr lang="en-US" sz="1600" dirty="0"/>
-              <a:t>After cluster, new task definition to be created. Mention image as cbagade/cl-first-prog:v1, port 3000, From Environment remove farget and add EC2 , set CPU to .25 vCPUs and memory to .5 GB , task role blank and task execution role to Create new role</a:t>
+              <a:t>Try creating ECS cluster with Infrastructure as Fargate. (At this time, you can also select Infrastructure as EC2 along with Fargate, this will be useful while you want to deploy your task definition service as launch type EC2) (For this demo, we will use everything as serverless)</a:t>
             </a:r>
           </a:p>
           <a:p>
@@ -26074,7 +26082,7 @@
             </a:pPr>
             <a:r>
               <a:rPr lang="en-US" sz="1600" dirty="0"/>
-              <a:t>Once task definition is created, Deploy it as service, Launch type EC2, Service type Replica, Desired task 1, Create new security group with All TCP traffic allowed from anywhere,  Put load balancer also (2 subnets are needed) with listener on 3000-http,  a new target group. While service is being created, view logs in  Cloud Formation stack</a:t>
+              <a:t>After cluster, create new task definition with Launch type as Fargate. For Container Spec chose OS as Linux/X86_64, CPU as .25 vCPU and memory .5 GB. Keep Task role as blank and Task execution role as one we created above</a:t>
             </a:r>
           </a:p>
           <a:p>
@@ -26084,7 +26092,7 @@
             </a:pPr>
             <a:r>
               <a:rPr lang="en-US" sz="1600" dirty="0"/>
-              <a:t>Once Service is created, task will be launched in couple of min. Click Service, View ALB and output of image can be tested as http://&lt;alb_dns&gt;:3000 on browser tab</a:t>
+              <a:t>Mention image as cbagade/cl-first-prog:v1, Container Port as 3000</a:t>
             </a:r>
           </a:p>
           <a:p>
@@ -26094,7 +26102,7 @@
             </a:pPr>
             <a:r>
               <a:rPr lang="en-US" sz="1600" dirty="0"/>
-              <a:t>Delete Service by updating service to have task as 0. This will bring down task and then delete service</a:t>
+              <a:t>Select task definition and Deploy as service. Set Launch type as Fargate. Under Networking section, select VPC , where security group above is created, keep only 2 public subnets and select security group created above. Public IP should be turned on.</a:t>
             </a:r>
           </a:p>
           <a:p>
@@ -26104,7 +26112,7 @@
             </a:pPr>
             <a:r>
               <a:rPr lang="en-US" sz="1600" dirty="0"/>
-              <a:t>Again, select task definition and Deploy as service. This time, set Launch type as Fargate, use same security group created earlier, turn on public IP. Load balancer is not needed this time. Create Service and watch events in Cloud Formation stack.</a:t>
+              <a:t>Create Service and watch events in Cloud Formation stack. Wait till CFT events go in CREATE_COMPLETE state.</a:t>
             </a:r>
           </a:p>
           <a:p>
@@ -26114,7 +26122,7 @@
             </a:pPr>
             <a:r>
               <a:rPr lang="en-US" sz="1600" dirty="0"/>
-              <a:t>Once service is created, task will be launched in couple of min, click on task and note public IP (under head configurations)</a:t>
+              <a:t>Cluster -&gt; Tasks (click) -&gt; copy public IP</a:t>
             </a:r>
           </a:p>
           <a:p>
@@ -26125,6 +26133,20 @@
             <a:r>
               <a:rPr lang="en-US" sz="1600" dirty="0"/>
               <a:t>To test image, hit http://&lt;public_ip&gt;:3000 on browser tab</a:t>
+            </a:r>
+          </a:p>
+          <a:p>
+            <a:pPr marL="285750" indent="-285750">
+              <a:buFont typeface="Wingdings" panose="05000000000000000000" pitchFamily="2" charset="2"/>
+              <a:buChar char="q"/>
+            </a:pPr>
+            <a:r>
+              <a:rPr lang="en-US" sz="1600" dirty="0">
+                <a:solidFill>
+                  <a:srgbClr val="FF0000"/>
+                </a:solidFill>
+              </a:rPr>
+              <a:t>Delete the task definition and cluster</a:t>
             </a:r>
           </a:p>
         </p:txBody>
@@ -37709,15 +37731,6 @@
 </file>
 
 <file path=customXml/item1.xml><?xml version="1.0" encoding="utf-8"?>
-<?mso-contentType ?>
-<FormTemplates xmlns="http://schemas.microsoft.com/sharepoint/v3/contenttype/forms">
-  <Display>DocumentLibraryForm</Display>
-  <Edit>DocumentLibraryForm</Edit>
-  <New>DocumentLibraryForm</New>
-</FormTemplates>
-</file>
-
-<file path=customXml/item2.xml><?xml version="1.0" encoding="utf-8"?>
 <p:properties xmlns:p="http://schemas.microsoft.com/office/2006/metadata/properties" xmlns:xsi="http://www.w3.org/2001/XMLSchema-instance" xmlns:pc="http://schemas.microsoft.com/office/infopath/2007/PartnerControls">
   <documentManagement>
     <_ip_UnifiedCompliancePolicyUIAction xmlns="http://schemas.microsoft.com/sharepoint/v3" xsi:nil="true"/>
@@ -37736,7 +37749,7 @@
 </p:properties>
 </file>
 
-<file path=customXml/item3.xml><?xml version="1.0" encoding="utf-8"?>
+<file path=customXml/item2.xml><?xml version="1.0" encoding="utf-8"?>
 <ct:contentTypeSchema xmlns:ct="http://schemas.microsoft.com/office/2006/metadata/contentType" xmlns:ma="http://schemas.microsoft.com/office/2006/metadata/properties/metaAttributes" ct:_="" ma:_="" ma:contentTypeName="Document" ma:contentTypeID="0x01010079F111ED35F8CC479449609E8A0923A6" ma:contentTypeVersion="20" ma:contentTypeDescription="Create a new document." ma:contentTypeScope="" ma:versionID="1267097ee5f5874adfcc408041ae252e">
   <xsd:schema xmlns:xsd="http://www.w3.org/2001/XMLSchema" xmlns:xs="http://www.w3.org/2001/XMLSchema" xmlns:p="http://schemas.microsoft.com/office/2006/metadata/properties" xmlns:ns1="http://schemas.microsoft.com/sharepoint/v3" xmlns:ns2="71af3243-3dd4-4a8d-8c0d-dd76da1f02a5" xmlns:ns3="16c05727-aa75-4e4a-9b5f-8a80a1165891" xmlns:ns4="230e9df3-be65-4c73-a93b-d1236ebd677e" targetNamespace="http://schemas.microsoft.com/office/2006/metadata/properties" ma:root="true" ma:fieldsID="395891a93df65b14727750f2c06c306c" ns1:_="" ns2:_="" ns3:_="" ns4:_="">
     <xsd:import namespace="http://schemas.microsoft.com/sharepoint/v3"/>
@@ -38012,15 +38025,16 @@
 </ct:contentTypeSchema>
 </file>
 
-<file path=customXml/itemProps1.xml><?xml version="1.0" encoding="utf-8"?>
-<ds:datastoreItem xmlns:ds="http://schemas.openxmlformats.org/officeDocument/2006/customXml" ds:itemID="{0FD6FE22-81A0-4500-AFD0-342D21BB9A2C}">
-  <ds:schemaRefs>
-    <ds:schemaRef ds:uri="http://schemas.microsoft.com/sharepoint/v3/contenttype/forms"/>
-  </ds:schemaRefs>
-</ds:datastoreItem>
+<file path=customXml/item3.xml><?xml version="1.0" encoding="utf-8"?>
+<?mso-contentType ?>
+<FormTemplates xmlns="http://schemas.microsoft.com/sharepoint/v3/contenttype/forms">
+  <Display>DocumentLibraryForm</Display>
+  <Edit>DocumentLibraryForm</Edit>
+  <New>DocumentLibraryForm</New>
+</FormTemplates>
 </file>
 
-<file path=customXml/itemProps2.xml><?xml version="1.0" encoding="utf-8"?>
+<file path=customXml/itemProps1.xml><?xml version="1.0" encoding="utf-8"?>
 <ds:datastoreItem xmlns:ds="http://schemas.openxmlformats.org/officeDocument/2006/customXml" ds:itemID="{29C43685-694E-4579-B109-3C418D49DA65}">
   <ds:schemaRefs>
     <ds:schemaRef ds:uri="http://schemas.microsoft.com/office/2006/metadata/properties"/>
@@ -38032,7 +38046,7 @@
 </ds:datastoreItem>
 </file>
 
-<file path=customXml/itemProps3.xml><?xml version="1.0" encoding="utf-8"?>
+<file path=customXml/itemProps2.xml><?xml version="1.0" encoding="utf-8"?>
 <ds:datastoreItem xmlns:ds="http://schemas.openxmlformats.org/officeDocument/2006/customXml" ds:itemID="{CC96B61E-1B64-430F-934F-7D1B90028029}">
   <ds:schemaRefs>
     <ds:schemaRef ds:uri="http://schemas.microsoft.com/office/2006/metadata/contentType"/>
@@ -38053,6 +38067,14 @@
 </ds:datastoreItem>
 </file>
 
+<file path=customXml/itemProps3.xml><?xml version="1.0" encoding="utf-8"?>
+<ds:datastoreItem xmlns:ds="http://schemas.openxmlformats.org/officeDocument/2006/customXml" ds:itemID="{0FD6FE22-81A0-4500-AFD0-342D21BB9A2C}">
+  <ds:schemaRefs>
+    <ds:schemaRef ds:uri="http://schemas.microsoft.com/sharepoint/v3/contenttype/forms"/>
+  </ds:schemaRefs>
+</ds:datastoreItem>
+</file>
+
 <file path=docMetadata/LabelInfo.xml><?xml version="1.0" encoding="utf-8"?>
 <clbl:labelList xmlns:clbl="http://schemas.microsoft.com/office/2020/mipLabelMetadata">
   <clbl:label id="{f42aa342-8706-4288-bd11-ebb85995028c}" enabled="1" method="Standard" siteId="{72f988bf-86f1-41af-91ab-2d7cd011db47}" removed="0"/>
